--- a/Encontro remoto 1/Modelagem RPG Online.pptx
+++ b/Encontro remoto 1/Modelagem RPG Online.pptx
@@ -4368,8 +4368,8 @@
         </p:nvSpPr>
         <p:spPr>
           <a:xfrm>
-            <a:off x="720000" y="360000"/>
-            <a:ext cx="1078920" cy="358920"/>
+            <a:off x="360000" y="360000"/>
+            <a:ext cx="1800000" cy="358920"/>
           </a:xfrm>
           <a:prstGeom prst="rect">
             <a:avLst/>
@@ -4404,7 +4404,7 @@
                 <a:latin typeface="Tahoma"/>
                 <a:ea typeface="DejaVu Sans"/>
               </a:rPr>
-              <a:t>D E R</a:t>
+              <a:t>Diagrama</a:t>
             </a:r>
             <a:endParaRPr b="0" lang="pt-BR" sz="3200" spc="-1" strike="noStrike">
               <a:latin typeface="Arial"/>
